--- a/marker/marker00-04.pptx
+++ b/marker/marker00-04.pptx
@@ -5,12 +5,13 @@
     <p:sldMasterId id="2147483660" r:id="rId1"/>
   </p:sldMasterIdLst>
   <p:sldIdLst>
-    <p:sldId id="256" r:id="rId2"/>
-    <p:sldId id="257" r:id="rId3"/>
-    <p:sldId id="258" r:id="rId4"/>
-    <p:sldId id="259" r:id="rId5"/>
-    <p:sldId id="260" r:id="rId6"/>
-    <p:sldId id="261" r:id="rId7"/>
+    <p:sldId id="263" r:id="rId2"/>
+    <p:sldId id="256" r:id="rId3"/>
+    <p:sldId id="257" r:id="rId4"/>
+    <p:sldId id="258" r:id="rId5"/>
+    <p:sldId id="259" r:id="rId6"/>
+    <p:sldId id="260" r:id="rId7"/>
+    <p:sldId id="261" r:id="rId8"/>
   </p:sldIdLst>
   <p:sldSz cx="9906000" cy="6858000" type="A4"/>
   <p:notesSz cx="6735763" cy="9866313"/>
@@ -248,7 +249,7 @@
           <a:p>
             <a:fld id="{DC7768DC-D696-4796-8CBD-8F37D95C9674}" type="datetimeFigureOut">
               <a:rPr kumimoji="1" lang="ja-JP" altLang="en-US" smtClean="0"/>
-              <a:t>2022/11/16</a:t>
+              <a:t>2022/11/29</a:t>
             </a:fld>
             <a:endParaRPr kumimoji="1" lang="ja-JP" altLang="en-US"/>
           </a:p>
@@ -450,7 +451,7 @@
           <a:p>
             <a:fld id="{DC7768DC-D696-4796-8CBD-8F37D95C9674}" type="datetimeFigureOut">
               <a:rPr kumimoji="1" lang="ja-JP" altLang="en-US" smtClean="0"/>
-              <a:t>2022/11/16</a:t>
+              <a:t>2022/11/29</a:t>
             </a:fld>
             <a:endParaRPr kumimoji="1" lang="ja-JP" altLang="en-US"/>
           </a:p>
@@ -662,7 +663,7 @@
           <a:p>
             <a:fld id="{DC7768DC-D696-4796-8CBD-8F37D95C9674}" type="datetimeFigureOut">
               <a:rPr kumimoji="1" lang="ja-JP" altLang="en-US" smtClean="0"/>
-              <a:t>2022/11/16</a:t>
+              <a:t>2022/11/29</a:t>
             </a:fld>
             <a:endParaRPr kumimoji="1" lang="ja-JP" altLang="en-US"/>
           </a:p>
@@ -864,7 +865,7 @@
           <a:p>
             <a:fld id="{DC7768DC-D696-4796-8CBD-8F37D95C9674}" type="datetimeFigureOut">
               <a:rPr kumimoji="1" lang="ja-JP" altLang="en-US" smtClean="0"/>
-              <a:t>2022/11/16</a:t>
+              <a:t>2022/11/29</a:t>
             </a:fld>
             <a:endParaRPr kumimoji="1" lang="ja-JP" altLang="en-US"/>
           </a:p>
@@ -1108,7 +1109,7 @@
           <a:p>
             <a:fld id="{DC7768DC-D696-4796-8CBD-8F37D95C9674}" type="datetimeFigureOut">
               <a:rPr kumimoji="1" lang="ja-JP" altLang="en-US" smtClean="0"/>
-              <a:t>2022/11/16</a:t>
+              <a:t>2022/11/29</a:t>
             </a:fld>
             <a:endParaRPr kumimoji="1" lang="ja-JP" altLang="en-US"/>
           </a:p>
@@ -1404,7 +1405,7 @@
           <a:p>
             <a:fld id="{DC7768DC-D696-4796-8CBD-8F37D95C9674}" type="datetimeFigureOut">
               <a:rPr kumimoji="1" lang="ja-JP" altLang="en-US" smtClean="0"/>
-              <a:t>2022/11/16</a:t>
+              <a:t>2022/11/29</a:t>
             </a:fld>
             <a:endParaRPr kumimoji="1" lang="ja-JP" altLang="en-US"/>
           </a:p>
@@ -1835,7 +1836,7 @@
           <a:p>
             <a:fld id="{DC7768DC-D696-4796-8CBD-8F37D95C9674}" type="datetimeFigureOut">
               <a:rPr kumimoji="1" lang="ja-JP" altLang="en-US" smtClean="0"/>
-              <a:t>2022/11/16</a:t>
+              <a:t>2022/11/29</a:t>
             </a:fld>
             <a:endParaRPr kumimoji="1" lang="ja-JP" altLang="en-US"/>
           </a:p>
@@ -1953,7 +1954,7 @@
           <a:p>
             <a:fld id="{DC7768DC-D696-4796-8CBD-8F37D95C9674}" type="datetimeFigureOut">
               <a:rPr kumimoji="1" lang="ja-JP" altLang="en-US" smtClean="0"/>
-              <a:t>2022/11/16</a:t>
+              <a:t>2022/11/29</a:t>
             </a:fld>
             <a:endParaRPr kumimoji="1" lang="ja-JP" altLang="en-US"/>
           </a:p>
@@ -2048,7 +2049,7 @@
           <a:p>
             <a:fld id="{DC7768DC-D696-4796-8CBD-8F37D95C9674}" type="datetimeFigureOut">
               <a:rPr kumimoji="1" lang="ja-JP" altLang="en-US" smtClean="0"/>
-              <a:t>2022/11/16</a:t>
+              <a:t>2022/11/29</a:t>
             </a:fld>
             <a:endParaRPr kumimoji="1" lang="ja-JP" altLang="en-US"/>
           </a:p>
@@ -2357,7 +2358,7 @@
           <a:p>
             <a:fld id="{DC7768DC-D696-4796-8CBD-8F37D95C9674}" type="datetimeFigureOut">
               <a:rPr kumimoji="1" lang="ja-JP" altLang="en-US" smtClean="0"/>
-              <a:t>2022/11/16</a:t>
+              <a:t>2022/11/29</a:t>
             </a:fld>
             <a:endParaRPr kumimoji="1" lang="ja-JP" altLang="en-US"/>
           </a:p>
@@ -2614,7 +2615,7 @@
           <a:p>
             <a:fld id="{DC7768DC-D696-4796-8CBD-8F37D95C9674}" type="datetimeFigureOut">
               <a:rPr kumimoji="1" lang="ja-JP" altLang="en-US" smtClean="0"/>
-              <a:t>2022/11/16</a:t>
+              <a:t>2022/11/29</a:t>
             </a:fld>
             <a:endParaRPr kumimoji="1" lang="ja-JP" altLang="en-US"/>
           </a:p>
@@ -2859,7 +2860,7 @@
           <a:p>
             <a:fld id="{DC7768DC-D696-4796-8CBD-8F37D95C9674}" type="datetimeFigureOut">
               <a:rPr kumimoji="1" lang="ja-JP" altLang="en-US" smtClean="0"/>
-              <a:t>2022/11/16</a:t>
+              <a:t>2022/11/29</a:t>
             </a:fld>
             <a:endParaRPr kumimoji="1" lang="ja-JP" altLang="en-US"/>
           </a:p>
@@ -3248,6 +3249,2019 @@
 </file>
 
 <file path=ppt/slides/slide1.xml><?xml version="1.0" encoding="utf-8"?>
+<p:sld xmlns:a="http://schemas.openxmlformats.org/drawingml/2006/main" xmlns:r="http://schemas.openxmlformats.org/officeDocument/2006/relationships" xmlns:p="http://schemas.openxmlformats.org/presentationml/2006/main">
+  <p:cSld>
+    <p:spTree>
+      <p:nvGrpSpPr>
+        <p:cNvPr id="1" name=""/>
+        <p:cNvGrpSpPr/>
+        <p:nvPr/>
+      </p:nvGrpSpPr>
+      <p:grpSpPr>
+        <a:xfrm>
+          <a:off x="0" y="0"/>
+          <a:ext cx="0" cy="0"/>
+          <a:chOff x="0" y="0"/>
+          <a:chExt cx="0" cy="0"/>
+        </a:xfrm>
+      </p:grpSpPr>
+      <p:grpSp>
+        <p:nvGrpSpPr>
+          <p:cNvPr id="41" name="グループ化 40">
+            <a:extLst>
+              <a:ext uri="{FF2B5EF4-FFF2-40B4-BE49-F238E27FC236}">
+                <a16:creationId xmlns:a16="http://schemas.microsoft.com/office/drawing/2014/main" id="{1AED9CD0-77CF-5446-E940-EFB8C41278C4}"/>
+              </a:ext>
+            </a:extLst>
+          </p:cNvPr>
+          <p:cNvGrpSpPr/>
+          <p:nvPr/>
+        </p:nvGrpSpPr>
+        <p:grpSpPr>
+          <a:xfrm>
+            <a:off x="316683" y="420474"/>
+            <a:ext cx="9315930" cy="1517650"/>
+            <a:chOff x="316683" y="480998"/>
+            <a:chExt cx="9315930" cy="1517650"/>
+          </a:xfrm>
+        </p:grpSpPr>
+        <p:pic>
+          <p:nvPicPr>
+            <p:cNvPr id="4" name="図 3" descr="QR コード&#10;&#10;自動的に生成された説明">
+              <a:extLst>
+                <a:ext uri="{FF2B5EF4-FFF2-40B4-BE49-F238E27FC236}">
+                  <a16:creationId xmlns:a16="http://schemas.microsoft.com/office/drawing/2014/main" id="{59D82A32-4064-5CBB-5720-F47A30346567}"/>
+                </a:ext>
+              </a:extLst>
+            </p:cNvPr>
+            <p:cNvPicPr>
+              <a:picLocks noChangeAspect="1"/>
+            </p:cNvPicPr>
+            <p:nvPr/>
+          </p:nvPicPr>
+          <p:blipFill>
+            <a:blip r:embed="rId2">
+              <a:extLst>
+                <a:ext uri="{28A0092B-C50C-407E-A947-70E740481C1C}">
+                  <a14:useLocalDpi xmlns:a14="http://schemas.microsoft.com/office/drawing/2010/main" val="0"/>
+                </a:ext>
+              </a:extLst>
+            </a:blip>
+            <a:stretch>
+              <a:fillRect/>
+            </a:stretch>
+          </p:blipFill>
+          <p:spPr>
+            <a:xfrm>
+              <a:off x="316683" y="480998"/>
+              <a:ext cx="1517650" cy="1517650"/>
+            </a:xfrm>
+            <a:prstGeom prst="rect">
+              <a:avLst/>
+            </a:prstGeom>
+          </p:spPr>
+        </p:pic>
+        <p:pic>
+          <p:nvPicPr>
+            <p:cNvPr id="6" name="図 5" descr="ロゴ&#10;&#10;自動的に生成された説明">
+              <a:extLst>
+                <a:ext uri="{FF2B5EF4-FFF2-40B4-BE49-F238E27FC236}">
+                  <a16:creationId xmlns:a16="http://schemas.microsoft.com/office/drawing/2014/main" id="{59777BC7-EC14-D8A6-C5AE-8B8EF53954C1}"/>
+                </a:ext>
+              </a:extLst>
+            </p:cNvPr>
+            <p:cNvPicPr>
+              <a:picLocks noChangeAspect="1"/>
+            </p:cNvPicPr>
+            <p:nvPr/>
+          </p:nvPicPr>
+          <p:blipFill>
+            <a:blip r:embed="rId3">
+              <a:extLst>
+                <a:ext uri="{28A0092B-C50C-407E-A947-70E740481C1C}">
+                  <a14:useLocalDpi xmlns:a14="http://schemas.microsoft.com/office/drawing/2010/main" val="0"/>
+                </a:ext>
+              </a:extLst>
+            </a:blip>
+            <a:stretch>
+              <a:fillRect/>
+            </a:stretch>
+          </p:blipFill>
+          <p:spPr>
+            <a:xfrm>
+              <a:off x="2266253" y="480998"/>
+              <a:ext cx="1517650" cy="1517650"/>
+            </a:xfrm>
+            <a:prstGeom prst="rect">
+              <a:avLst/>
+            </a:prstGeom>
+          </p:spPr>
+        </p:pic>
+        <p:pic>
+          <p:nvPicPr>
+            <p:cNvPr id="8" name="図 7" descr="ロゴ&#10;&#10;自動的に生成された説明">
+              <a:extLst>
+                <a:ext uri="{FF2B5EF4-FFF2-40B4-BE49-F238E27FC236}">
+                  <a16:creationId xmlns:a16="http://schemas.microsoft.com/office/drawing/2014/main" id="{F993F900-7F0B-FB30-FA09-EFA888B9D017}"/>
+                </a:ext>
+              </a:extLst>
+            </p:cNvPr>
+            <p:cNvPicPr>
+              <a:picLocks noChangeAspect="1"/>
+            </p:cNvPicPr>
+            <p:nvPr/>
+          </p:nvPicPr>
+          <p:blipFill>
+            <a:blip r:embed="rId4">
+              <a:extLst>
+                <a:ext uri="{28A0092B-C50C-407E-A947-70E740481C1C}">
+                  <a14:useLocalDpi xmlns:a14="http://schemas.microsoft.com/office/drawing/2010/main" val="0"/>
+                </a:ext>
+              </a:extLst>
+            </a:blip>
+            <a:stretch>
+              <a:fillRect/>
+            </a:stretch>
+          </p:blipFill>
+          <p:spPr>
+            <a:xfrm>
+              <a:off x="4215823" y="480998"/>
+              <a:ext cx="1517650" cy="1517650"/>
+            </a:xfrm>
+            <a:prstGeom prst="rect">
+              <a:avLst/>
+            </a:prstGeom>
+          </p:spPr>
+        </p:pic>
+        <p:pic>
+          <p:nvPicPr>
+            <p:cNvPr id="10" name="図 9" descr="ロゴ&#10;&#10;自動的に生成された説明">
+              <a:extLst>
+                <a:ext uri="{FF2B5EF4-FFF2-40B4-BE49-F238E27FC236}">
+                  <a16:creationId xmlns:a16="http://schemas.microsoft.com/office/drawing/2014/main" id="{A68C6017-78F4-C62C-3503-D1D47FC54886}"/>
+                </a:ext>
+              </a:extLst>
+            </p:cNvPr>
+            <p:cNvPicPr>
+              <a:picLocks noChangeAspect="1"/>
+            </p:cNvPicPr>
+            <p:nvPr/>
+          </p:nvPicPr>
+          <p:blipFill>
+            <a:blip r:embed="rId5">
+              <a:extLst>
+                <a:ext uri="{28A0092B-C50C-407E-A947-70E740481C1C}">
+                  <a14:useLocalDpi xmlns:a14="http://schemas.microsoft.com/office/drawing/2010/main" val="0"/>
+                </a:ext>
+              </a:extLst>
+            </a:blip>
+            <a:stretch>
+              <a:fillRect/>
+            </a:stretch>
+          </p:blipFill>
+          <p:spPr>
+            <a:xfrm>
+              <a:off x="6165393" y="480998"/>
+              <a:ext cx="1517650" cy="1517650"/>
+            </a:xfrm>
+            <a:prstGeom prst="rect">
+              <a:avLst/>
+            </a:prstGeom>
+          </p:spPr>
+        </p:pic>
+        <p:pic>
+          <p:nvPicPr>
+            <p:cNvPr id="12" name="図 11" descr="黒い背景に白い文字がある&#10;&#10;低い精度で自動的に生成された説明">
+              <a:extLst>
+                <a:ext uri="{FF2B5EF4-FFF2-40B4-BE49-F238E27FC236}">
+                  <a16:creationId xmlns:a16="http://schemas.microsoft.com/office/drawing/2014/main" id="{C7CABF56-AEBD-DC02-EFA5-B21964712E2A}"/>
+                </a:ext>
+              </a:extLst>
+            </p:cNvPr>
+            <p:cNvPicPr>
+              <a:picLocks noChangeAspect="1"/>
+            </p:cNvPicPr>
+            <p:nvPr/>
+          </p:nvPicPr>
+          <p:blipFill>
+            <a:blip r:embed="rId6">
+              <a:extLst>
+                <a:ext uri="{28A0092B-C50C-407E-A947-70E740481C1C}">
+                  <a14:useLocalDpi xmlns:a14="http://schemas.microsoft.com/office/drawing/2010/main" val="0"/>
+                </a:ext>
+              </a:extLst>
+            </a:blip>
+            <a:stretch>
+              <a:fillRect/>
+            </a:stretch>
+          </p:blipFill>
+          <p:spPr>
+            <a:xfrm>
+              <a:off x="8114963" y="480998"/>
+              <a:ext cx="1517650" cy="1517650"/>
+            </a:xfrm>
+            <a:prstGeom prst="rect">
+              <a:avLst/>
+            </a:prstGeom>
+          </p:spPr>
+        </p:pic>
+      </p:grpSp>
+      <p:grpSp>
+        <p:nvGrpSpPr>
+          <p:cNvPr id="42" name="グループ化 41">
+            <a:extLst>
+              <a:ext uri="{FF2B5EF4-FFF2-40B4-BE49-F238E27FC236}">
+                <a16:creationId xmlns:a16="http://schemas.microsoft.com/office/drawing/2014/main" id="{9538CF53-C189-28F8-0092-629080A71C54}"/>
+              </a:ext>
+            </a:extLst>
+          </p:cNvPr>
+          <p:cNvGrpSpPr/>
+          <p:nvPr/>
+        </p:nvGrpSpPr>
+        <p:grpSpPr>
+          <a:xfrm>
+            <a:off x="314262" y="2588545"/>
+            <a:ext cx="9318351" cy="1517650"/>
+            <a:chOff x="314262" y="3132463"/>
+            <a:chExt cx="9318351" cy="1517650"/>
+          </a:xfrm>
+        </p:grpSpPr>
+        <p:pic>
+          <p:nvPicPr>
+            <p:cNvPr id="5" name="図 4" descr="ロゴ&#10;&#10;自動的に生成された説明">
+              <a:extLst>
+                <a:ext uri="{FF2B5EF4-FFF2-40B4-BE49-F238E27FC236}">
+                  <a16:creationId xmlns:a16="http://schemas.microsoft.com/office/drawing/2014/main" id="{4A8F48AB-85C6-5310-F4C2-AB43B7CB76D5}"/>
+                </a:ext>
+              </a:extLst>
+            </p:cNvPr>
+            <p:cNvPicPr>
+              <a:picLocks noChangeAspect="1"/>
+            </p:cNvPicPr>
+            <p:nvPr/>
+          </p:nvPicPr>
+          <p:blipFill>
+            <a:blip r:embed="rId7">
+              <a:extLst>
+                <a:ext uri="{28A0092B-C50C-407E-A947-70E740481C1C}">
+                  <a14:useLocalDpi xmlns:a14="http://schemas.microsoft.com/office/drawing/2010/main" val="0"/>
+                </a:ext>
+              </a:extLst>
+            </a:blip>
+            <a:stretch>
+              <a:fillRect/>
+            </a:stretch>
+          </p:blipFill>
+          <p:spPr>
+            <a:xfrm>
+              <a:off x="314262" y="3132463"/>
+              <a:ext cx="1517650" cy="1517650"/>
+            </a:xfrm>
+            <a:prstGeom prst="rect">
+              <a:avLst/>
+            </a:prstGeom>
+          </p:spPr>
+        </p:pic>
+        <p:pic>
+          <p:nvPicPr>
+            <p:cNvPr id="7" name="図 6" descr="ロゴ, QR コード&#10;&#10;自動的に生成された説明">
+              <a:extLst>
+                <a:ext uri="{FF2B5EF4-FFF2-40B4-BE49-F238E27FC236}">
+                  <a16:creationId xmlns:a16="http://schemas.microsoft.com/office/drawing/2014/main" id="{6CDAFF39-1F12-EB51-AEFD-B032C42E2837}"/>
+                </a:ext>
+              </a:extLst>
+            </p:cNvPr>
+            <p:cNvPicPr>
+              <a:picLocks noChangeAspect="1"/>
+            </p:cNvPicPr>
+            <p:nvPr/>
+          </p:nvPicPr>
+          <p:blipFill>
+            <a:blip r:embed="rId8">
+              <a:extLst>
+                <a:ext uri="{28A0092B-C50C-407E-A947-70E740481C1C}">
+                  <a14:useLocalDpi xmlns:a14="http://schemas.microsoft.com/office/drawing/2010/main" val="0"/>
+                </a:ext>
+              </a:extLst>
+            </a:blip>
+            <a:stretch>
+              <a:fillRect/>
+            </a:stretch>
+          </p:blipFill>
+          <p:spPr>
+            <a:xfrm>
+              <a:off x="2264437" y="3132463"/>
+              <a:ext cx="1517650" cy="1517650"/>
+            </a:xfrm>
+            <a:prstGeom prst="rect">
+              <a:avLst/>
+            </a:prstGeom>
+          </p:spPr>
+        </p:pic>
+        <p:pic>
+          <p:nvPicPr>
+            <p:cNvPr id="9" name="図 8" descr="ロゴ&#10;&#10;低い精度で自動的に生成された説明">
+              <a:extLst>
+                <a:ext uri="{FF2B5EF4-FFF2-40B4-BE49-F238E27FC236}">
+                  <a16:creationId xmlns:a16="http://schemas.microsoft.com/office/drawing/2014/main" id="{1D17CB35-FA7B-1CCE-69D5-BB123FD8E484}"/>
+                </a:ext>
+              </a:extLst>
+            </p:cNvPr>
+            <p:cNvPicPr>
+              <a:picLocks noChangeAspect="1"/>
+            </p:cNvPicPr>
+            <p:nvPr/>
+          </p:nvPicPr>
+          <p:blipFill>
+            <a:blip r:embed="rId9">
+              <a:extLst>
+                <a:ext uri="{28A0092B-C50C-407E-A947-70E740481C1C}">
+                  <a14:useLocalDpi xmlns:a14="http://schemas.microsoft.com/office/drawing/2010/main" val="0"/>
+                </a:ext>
+              </a:extLst>
+            </a:blip>
+            <a:stretch>
+              <a:fillRect/>
+            </a:stretch>
+          </p:blipFill>
+          <p:spPr>
+            <a:xfrm>
+              <a:off x="4214612" y="3132463"/>
+              <a:ext cx="1517650" cy="1517650"/>
+            </a:xfrm>
+            <a:prstGeom prst="rect">
+              <a:avLst/>
+            </a:prstGeom>
+          </p:spPr>
+        </p:pic>
+        <p:pic>
+          <p:nvPicPr>
+            <p:cNvPr id="11" name="図 10" descr="挿絵 が含まれている画像&#10;&#10;自動的に生成された説明">
+              <a:extLst>
+                <a:ext uri="{FF2B5EF4-FFF2-40B4-BE49-F238E27FC236}">
+                  <a16:creationId xmlns:a16="http://schemas.microsoft.com/office/drawing/2014/main" id="{8ECC3DE4-794A-3418-3021-6F8AA03DF14C}"/>
+                </a:ext>
+              </a:extLst>
+            </p:cNvPr>
+            <p:cNvPicPr>
+              <a:picLocks noChangeAspect="1"/>
+            </p:cNvPicPr>
+            <p:nvPr/>
+          </p:nvPicPr>
+          <p:blipFill>
+            <a:blip r:embed="rId10">
+              <a:extLst>
+                <a:ext uri="{28A0092B-C50C-407E-A947-70E740481C1C}">
+                  <a14:useLocalDpi xmlns:a14="http://schemas.microsoft.com/office/drawing/2010/main" val="0"/>
+                </a:ext>
+              </a:extLst>
+            </a:blip>
+            <a:stretch>
+              <a:fillRect/>
+            </a:stretch>
+          </p:blipFill>
+          <p:spPr>
+            <a:xfrm>
+              <a:off x="6164787" y="3132463"/>
+              <a:ext cx="1517650" cy="1517650"/>
+            </a:xfrm>
+            <a:prstGeom prst="rect">
+              <a:avLst/>
+            </a:prstGeom>
+          </p:spPr>
+        </p:pic>
+        <p:pic>
+          <p:nvPicPr>
+            <p:cNvPr id="13" name="図 12" descr="ロゴ, QR コード&#10;&#10;自動的に生成された説明">
+              <a:extLst>
+                <a:ext uri="{FF2B5EF4-FFF2-40B4-BE49-F238E27FC236}">
+                  <a16:creationId xmlns:a16="http://schemas.microsoft.com/office/drawing/2014/main" id="{B4036432-964A-2B46-13D2-095CF6F5DE50}"/>
+                </a:ext>
+              </a:extLst>
+            </p:cNvPr>
+            <p:cNvPicPr>
+              <a:picLocks noChangeAspect="1"/>
+            </p:cNvPicPr>
+            <p:nvPr/>
+          </p:nvPicPr>
+          <p:blipFill>
+            <a:blip r:embed="rId11">
+              <a:extLst>
+                <a:ext uri="{28A0092B-C50C-407E-A947-70E740481C1C}">
+                  <a14:useLocalDpi xmlns:a14="http://schemas.microsoft.com/office/drawing/2010/main" val="0"/>
+                </a:ext>
+              </a:extLst>
+            </a:blip>
+            <a:stretch>
+              <a:fillRect/>
+            </a:stretch>
+          </p:blipFill>
+          <p:spPr>
+            <a:xfrm>
+              <a:off x="8114963" y="3132463"/>
+              <a:ext cx="1517650" cy="1517650"/>
+            </a:xfrm>
+            <a:prstGeom prst="rect">
+              <a:avLst/>
+            </a:prstGeom>
+          </p:spPr>
+        </p:pic>
+      </p:grpSp>
+      <p:grpSp>
+        <p:nvGrpSpPr>
+          <p:cNvPr id="44" name="グループ化 43">
+            <a:extLst>
+              <a:ext uri="{FF2B5EF4-FFF2-40B4-BE49-F238E27FC236}">
+                <a16:creationId xmlns:a16="http://schemas.microsoft.com/office/drawing/2014/main" id="{947F3A3E-0B64-B72A-AEC9-4504DA1D4B69}"/>
+              </a:ext>
+            </a:extLst>
+          </p:cNvPr>
+          <p:cNvGrpSpPr/>
+          <p:nvPr/>
+        </p:nvGrpSpPr>
+        <p:grpSpPr>
+          <a:xfrm>
+            <a:off x="771190" y="1979179"/>
+            <a:ext cx="8406916" cy="369332"/>
+            <a:chOff x="756076" y="1979817"/>
+            <a:chExt cx="8406916" cy="369332"/>
+          </a:xfrm>
+        </p:grpSpPr>
+        <p:sp>
+          <p:nvSpPr>
+            <p:cNvPr id="14" name="テキスト ボックス 13">
+              <a:extLst>
+                <a:ext uri="{FF2B5EF4-FFF2-40B4-BE49-F238E27FC236}">
+                  <a16:creationId xmlns:a16="http://schemas.microsoft.com/office/drawing/2014/main" id="{99453DBA-7274-C10D-FE0C-D5E96EE63F22}"/>
+                </a:ext>
+              </a:extLst>
+            </p:cNvPr>
+            <p:cNvSpPr txBox="1"/>
+            <p:nvPr/>
+          </p:nvSpPr>
+          <p:spPr>
+            <a:xfrm>
+              <a:off x="756076" y="1979817"/>
+              <a:ext cx="535724" cy="369332"/>
+            </a:xfrm>
+            <a:prstGeom prst="rect">
+              <a:avLst/>
+            </a:prstGeom>
+            <a:noFill/>
+          </p:spPr>
+          <p:txBody>
+            <a:bodyPr wrap="none" rtlCol="0">
+              <a:spAutoFit/>
+            </a:bodyPr>
+            <a:lstStyle/>
+            <a:p>
+              <a:r>
+                <a:rPr kumimoji="1" lang="en-US" altLang="ja-JP" dirty="0"/>
+                <a:t>000</a:t>
+              </a:r>
+              <a:endParaRPr kumimoji="1" lang="ja-JP" altLang="en-US" dirty="0"/>
+            </a:p>
+          </p:txBody>
+        </p:sp>
+        <p:sp>
+          <p:nvSpPr>
+            <p:cNvPr id="15" name="テキスト ボックス 14">
+              <a:extLst>
+                <a:ext uri="{FF2B5EF4-FFF2-40B4-BE49-F238E27FC236}">
+                  <a16:creationId xmlns:a16="http://schemas.microsoft.com/office/drawing/2014/main" id="{8C1ED62F-7194-A507-3485-088C06463450}"/>
+                </a:ext>
+              </a:extLst>
+            </p:cNvPr>
+            <p:cNvSpPr txBox="1"/>
+            <p:nvPr/>
+          </p:nvSpPr>
+          <p:spPr>
+            <a:xfrm>
+              <a:off x="2723874" y="1979817"/>
+              <a:ext cx="535724" cy="369332"/>
+            </a:xfrm>
+            <a:prstGeom prst="rect">
+              <a:avLst/>
+            </a:prstGeom>
+            <a:noFill/>
+          </p:spPr>
+          <p:txBody>
+            <a:bodyPr wrap="none" rtlCol="0">
+              <a:spAutoFit/>
+            </a:bodyPr>
+            <a:lstStyle/>
+            <a:p>
+              <a:r>
+                <a:rPr kumimoji="1" lang="en-US" altLang="ja-JP" dirty="0"/>
+                <a:t>001</a:t>
+              </a:r>
+              <a:endParaRPr kumimoji="1" lang="ja-JP" altLang="en-US" dirty="0"/>
+            </a:p>
+          </p:txBody>
+        </p:sp>
+        <p:sp>
+          <p:nvSpPr>
+            <p:cNvPr id="16" name="テキスト ボックス 15">
+              <a:extLst>
+                <a:ext uri="{FF2B5EF4-FFF2-40B4-BE49-F238E27FC236}">
+                  <a16:creationId xmlns:a16="http://schemas.microsoft.com/office/drawing/2014/main" id="{C7BFB230-4221-ECD5-2E49-DB957BC3B4A5}"/>
+                </a:ext>
+              </a:extLst>
+            </p:cNvPr>
+            <p:cNvSpPr txBox="1"/>
+            <p:nvPr/>
+          </p:nvSpPr>
+          <p:spPr>
+            <a:xfrm>
+              <a:off x="4691672" y="1979817"/>
+              <a:ext cx="535724" cy="369332"/>
+            </a:xfrm>
+            <a:prstGeom prst="rect">
+              <a:avLst/>
+            </a:prstGeom>
+            <a:noFill/>
+          </p:spPr>
+          <p:txBody>
+            <a:bodyPr wrap="none" rtlCol="0">
+              <a:spAutoFit/>
+            </a:bodyPr>
+            <a:lstStyle/>
+            <a:p>
+              <a:r>
+                <a:rPr kumimoji="1" lang="en-US" altLang="ja-JP" dirty="0"/>
+                <a:t>002</a:t>
+              </a:r>
+              <a:endParaRPr kumimoji="1" lang="ja-JP" altLang="en-US" dirty="0"/>
+            </a:p>
+          </p:txBody>
+        </p:sp>
+        <p:sp>
+          <p:nvSpPr>
+            <p:cNvPr id="17" name="テキスト ボックス 16">
+              <a:extLst>
+                <a:ext uri="{FF2B5EF4-FFF2-40B4-BE49-F238E27FC236}">
+                  <a16:creationId xmlns:a16="http://schemas.microsoft.com/office/drawing/2014/main" id="{3D2DB822-9964-C5D9-E43E-D260FF17B7B9}"/>
+                </a:ext>
+              </a:extLst>
+            </p:cNvPr>
+            <p:cNvSpPr txBox="1"/>
+            <p:nvPr/>
+          </p:nvSpPr>
+          <p:spPr>
+            <a:xfrm>
+              <a:off x="6659470" y="1979817"/>
+              <a:ext cx="535724" cy="369332"/>
+            </a:xfrm>
+            <a:prstGeom prst="rect">
+              <a:avLst/>
+            </a:prstGeom>
+            <a:noFill/>
+          </p:spPr>
+          <p:txBody>
+            <a:bodyPr wrap="none" rtlCol="0">
+              <a:spAutoFit/>
+            </a:bodyPr>
+            <a:lstStyle/>
+            <a:p>
+              <a:r>
+                <a:rPr kumimoji="1" lang="en-US" altLang="ja-JP" dirty="0"/>
+                <a:t>003</a:t>
+              </a:r>
+            </a:p>
+          </p:txBody>
+        </p:sp>
+        <p:sp>
+          <p:nvSpPr>
+            <p:cNvPr id="18" name="テキスト ボックス 17">
+              <a:extLst>
+                <a:ext uri="{FF2B5EF4-FFF2-40B4-BE49-F238E27FC236}">
+                  <a16:creationId xmlns:a16="http://schemas.microsoft.com/office/drawing/2014/main" id="{7D32E52B-1D93-74F0-4CF3-7053AE949829}"/>
+                </a:ext>
+              </a:extLst>
+            </p:cNvPr>
+            <p:cNvSpPr txBox="1"/>
+            <p:nvPr/>
+          </p:nvSpPr>
+          <p:spPr>
+            <a:xfrm>
+              <a:off x="8627268" y="1979817"/>
+              <a:ext cx="535724" cy="369332"/>
+            </a:xfrm>
+            <a:prstGeom prst="rect">
+              <a:avLst/>
+            </a:prstGeom>
+            <a:noFill/>
+          </p:spPr>
+          <p:txBody>
+            <a:bodyPr wrap="none" rtlCol="0">
+              <a:spAutoFit/>
+            </a:bodyPr>
+            <a:lstStyle/>
+            <a:p>
+              <a:r>
+                <a:rPr kumimoji="1" lang="en-US" altLang="ja-JP" dirty="0"/>
+                <a:t>004</a:t>
+              </a:r>
+              <a:endParaRPr kumimoji="1" lang="ja-JP" altLang="en-US" dirty="0"/>
+            </a:p>
+          </p:txBody>
+        </p:sp>
+      </p:grpSp>
+      <p:grpSp>
+        <p:nvGrpSpPr>
+          <p:cNvPr id="43" name="グループ化 42">
+            <a:extLst>
+              <a:ext uri="{FF2B5EF4-FFF2-40B4-BE49-F238E27FC236}">
+                <a16:creationId xmlns:a16="http://schemas.microsoft.com/office/drawing/2014/main" id="{BCEEA116-3C7D-0278-CC8A-F5F47679608A}"/>
+              </a:ext>
+            </a:extLst>
+          </p:cNvPr>
+          <p:cNvGrpSpPr/>
+          <p:nvPr/>
+        </p:nvGrpSpPr>
+        <p:grpSpPr>
+          <a:xfrm>
+            <a:off x="782344" y="4145758"/>
+            <a:ext cx="8384608" cy="369332"/>
+            <a:chOff x="753928" y="4641556"/>
+            <a:chExt cx="8384608" cy="369332"/>
+          </a:xfrm>
+        </p:grpSpPr>
+        <p:sp>
+          <p:nvSpPr>
+            <p:cNvPr id="19" name="テキスト ボックス 18">
+              <a:extLst>
+                <a:ext uri="{FF2B5EF4-FFF2-40B4-BE49-F238E27FC236}">
+                  <a16:creationId xmlns:a16="http://schemas.microsoft.com/office/drawing/2014/main" id="{4EC65A30-2516-13DD-44D0-986B00D76069}"/>
+                </a:ext>
+              </a:extLst>
+            </p:cNvPr>
+            <p:cNvSpPr txBox="1"/>
+            <p:nvPr/>
+          </p:nvSpPr>
+          <p:spPr>
+            <a:xfrm>
+              <a:off x="753928" y="4641556"/>
+              <a:ext cx="535724" cy="369332"/>
+            </a:xfrm>
+            <a:prstGeom prst="rect">
+              <a:avLst/>
+            </a:prstGeom>
+            <a:noFill/>
+          </p:spPr>
+          <p:txBody>
+            <a:bodyPr wrap="none" rtlCol="0">
+              <a:spAutoFit/>
+            </a:bodyPr>
+            <a:lstStyle/>
+            <a:p>
+              <a:r>
+                <a:rPr kumimoji="1" lang="en-US" altLang="ja-JP" dirty="0"/>
+                <a:t>005</a:t>
+              </a:r>
+              <a:endParaRPr kumimoji="1" lang="ja-JP" altLang="en-US" dirty="0"/>
+            </a:p>
+          </p:txBody>
+        </p:sp>
+        <p:sp>
+          <p:nvSpPr>
+            <p:cNvPr id="20" name="テキスト ボックス 19">
+              <a:extLst>
+                <a:ext uri="{FF2B5EF4-FFF2-40B4-BE49-F238E27FC236}">
+                  <a16:creationId xmlns:a16="http://schemas.microsoft.com/office/drawing/2014/main" id="{23C2400D-E290-F909-0FE8-EE7DAF21F8E9}"/>
+                </a:ext>
+              </a:extLst>
+            </p:cNvPr>
+            <p:cNvSpPr txBox="1"/>
+            <p:nvPr/>
+          </p:nvSpPr>
+          <p:spPr>
+            <a:xfrm>
+              <a:off x="2716149" y="4641556"/>
+              <a:ext cx="535724" cy="369332"/>
+            </a:xfrm>
+            <a:prstGeom prst="rect">
+              <a:avLst/>
+            </a:prstGeom>
+            <a:noFill/>
+          </p:spPr>
+          <p:txBody>
+            <a:bodyPr wrap="none" rtlCol="0">
+              <a:spAutoFit/>
+            </a:bodyPr>
+            <a:lstStyle/>
+            <a:p>
+              <a:r>
+                <a:rPr kumimoji="1" lang="en-US" altLang="ja-JP" dirty="0"/>
+                <a:t>006</a:t>
+              </a:r>
+              <a:endParaRPr kumimoji="1" lang="ja-JP" altLang="en-US" dirty="0"/>
+            </a:p>
+          </p:txBody>
+        </p:sp>
+        <p:sp>
+          <p:nvSpPr>
+            <p:cNvPr id="21" name="テキスト ボックス 20">
+              <a:extLst>
+                <a:ext uri="{FF2B5EF4-FFF2-40B4-BE49-F238E27FC236}">
+                  <a16:creationId xmlns:a16="http://schemas.microsoft.com/office/drawing/2014/main" id="{1971F55E-0BB7-62D2-F335-0C42D1B12305}"/>
+                </a:ext>
+              </a:extLst>
+            </p:cNvPr>
+            <p:cNvSpPr txBox="1"/>
+            <p:nvPr/>
+          </p:nvSpPr>
+          <p:spPr>
+            <a:xfrm>
+              <a:off x="4678370" y="4641556"/>
+              <a:ext cx="535724" cy="369332"/>
+            </a:xfrm>
+            <a:prstGeom prst="rect">
+              <a:avLst/>
+            </a:prstGeom>
+            <a:noFill/>
+          </p:spPr>
+          <p:txBody>
+            <a:bodyPr wrap="none" rtlCol="0">
+              <a:spAutoFit/>
+            </a:bodyPr>
+            <a:lstStyle/>
+            <a:p>
+              <a:r>
+                <a:rPr kumimoji="1" lang="en-US" altLang="ja-JP" dirty="0"/>
+                <a:t>007</a:t>
+              </a:r>
+              <a:endParaRPr kumimoji="1" lang="ja-JP" altLang="en-US" dirty="0"/>
+            </a:p>
+          </p:txBody>
+        </p:sp>
+        <p:sp>
+          <p:nvSpPr>
+            <p:cNvPr id="22" name="テキスト ボックス 21">
+              <a:extLst>
+                <a:ext uri="{FF2B5EF4-FFF2-40B4-BE49-F238E27FC236}">
+                  <a16:creationId xmlns:a16="http://schemas.microsoft.com/office/drawing/2014/main" id="{9081ED08-CA49-BE2E-9C0E-217ECDF0BE18}"/>
+                </a:ext>
+              </a:extLst>
+            </p:cNvPr>
+            <p:cNvSpPr txBox="1"/>
+            <p:nvPr/>
+          </p:nvSpPr>
+          <p:spPr>
+            <a:xfrm>
+              <a:off x="6640591" y="4641556"/>
+              <a:ext cx="535724" cy="369332"/>
+            </a:xfrm>
+            <a:prstGeom prst="rect">
+              <a:avLst/>
+            </a:prstGeom>
+            <a:noFill/>
+          </p:spPr>
+          <p:txBody>
+            <a:bodyPr wrap="none" rtlCol="0">
+              <a:spAutoFit/>
+            </a:bodyPr>
+            <a:lstStyle/>
+            <a:p>
+              <a:r>
+                <a:rPr kumimoji="1" lang="en-US" altLang="ja-JP" dirty="0"/>
+                <a:t>008</a:t>
+              </a:r>
+            </a:p>
+          </p:txBody>
+        </p:sp>
+        <p:sp>
+          <p:nvSpPr>
+            <p:cNvPr id="23" name="テキスト ボックス 22">
+              <a:extLst>
+                <a:ext uri="{FF2B5EF4-FFF2-40B4-BE49-F238E27FC236}">
+                  <a16:creationId xmlns:a16="http://schemas.microsoft.com/office/drawing/2014/main" id="{E3F717D5-B35A-A2EF-2FBC-EEE429E1BABC}"/>
+                </a:ext>
+              </a:extLst>
+            </p:cNvPr>
+            <p:cNvSpPr txBox="1"/>
+            <p:nvPr/>
+          </p:nvSpPr>
+          <p:spPr>
+            <a:xfrm>
+              <a:off x="8602812" y="4641556"/>
+              <a:ext cx="535724" cy="369332"/>
+            </a:xfrm>
+            <a:prstGeom prst="rect">
+              <a:avLst/>
+            </a:prstGeom>
+            <a:noFill/>
+          </p:spPr>
+          <p:txBody>
+            <a:bodyPr wrap="none" rtlCol="0">
+              <a:spAutoFit/>
+            </a:bodyPr>
+            <a:lstStyle/>
+            <a:p>
+              <a:r>
+                <a:rPr kumimoji="1" lang="en-US" altLang="ja-JP" dirty="0"/>
+                <a:t>009</a:t>
+              </a:r>
+              <a:endParaRPr kumimoji="1" lang="ja-JP" altLang="en-US" dirty="0"/>
+            </a:p>
+          </p:txBody>
+        </p:sp>
+      </p:grpSp>
+      <p:sp>
+        <p:nvSpPr>
+          <p:cNvPr id="24" name="正方形/長方形 23">
+            <a:extLst>
+              <a:ext uri="{FF2B5EF4-FFF2-40B4-BE49-F238E27FC236}">
+                <a16:creationId xmlns:a16="http://schemas.microsoft.com/office/drawing/2014/main" id="{6AF4A5C0-7B6E-41ED-9C5A-21B6EB68DEDD}"/>
+              </a:ext>
+            </a:extLst>
+          </p:cNvPr>
+          <p:cNvSpPr/>
+          <p:nvPr/>
+        </p:nvSpPr>
+        <p:spPr>
+          <a:xfrm>
+            <a:off x="100723" y="138023"/>
+            <a:ext cx="1949570" cy="2167537"/>
+          </a:xfrm>
+          <a:prstGeom prst="rect">
+            <a:avLst/>
+          </a:prstGeom>
+          <a:noFill/>
+          <a:ln>
+            <a:solidFill>
+              <a:schemeClr val="tx1"/>
+            </a:solidFill>
+          </a:ln>
+        </p:spPr>
+        <p:style>
+          <a:lnRef idx="2">
+            <a:schemeClr val="accent1">
+              <a:shade val="50000"/>
+            </a:schemeClr>
+          </a:lnRef>
+          <a:fillRef idx="1">
+            <a:schemeClr val="accent1"/>
+          </a:fillRef>
+          <a:effectRef idx="0">
+            <a:schemeClr val="accent1"/>
+          </a:effectRef>
+          <a:fontRef idx="minor">
+            <a:schemeClr val="lt1"/>
+          </a:fontRef>
+        </p:style>
+        <p:txBody>
+          <a:bodyPr rtlCol="0" anchor="ctr"/>
+          <a:lstStyle/>
+          <a:p>
+            <a:pPr algn="ctr"/>
+            <a:endParaRPr kumimoji="1" lang="ja-JP" altLang="en-US"/>
+          </a:p>
+        </p:txBody>
+      </p:sp>
+      <p:sp>
+        <p:nvSpPr>
+          <p:cNvPr id="25" name="正方形/長方形 24">
+            <a:extLst>
+              <a:ext uri="{FF2B5EF4-FFF2-40B4-BE49-F238E27FC236}">
+                <a16:creationId xmlns:a16="http://schemas.microsoft.com/office/drawing/2014/main" id="{8FFCDFF1-A2E5-DDAA-C40D-5590243F4C83}"/>
+              </a:ext>
+            </a:extLst>
+          </p:cNvPr>
+          <p:cNvSpPr/>
+          <p:nvPr/>
+        </p:nvSpPr>
+        <p:spPr>
+          <a:xfrm>
+            <a:off x="2050293" y="138661"/>
+            <a:ext cx="1949570" cy="2167537"/>
+          </a:xfrm>
+          <a:prstGeom prst="rect">
+            <a:avLst/>
+          </a:prstGeom>
+          <a:noFill/>
+          <a:ln>
+            <a:solidFill>
+              <a:schemeClr val="tx1"/>
+            </a:solidFill>
+          </a:ln>
+        </p:spPr>
+        <p:style>
+          <a:lnRef idx="2">
+            <a:schemeClr val="accent1">
+              <a:shade val="50000"/>
+            </a:schemeClr>
+          </a:lnRef>
+          <a:fillRef idx="1">
+            <a:schemeClr val="accent1"/>
+          </a:fillRef>
+          <a:effectRef idx="0">
+            <a:schemeClr val="accent1"/>
+          </a:effectRef>
+          <a:fontRef idx="minor">
+            <a:schemeClr val="lt1"/>
+          </a:fontRef>
+        </p:style>
+        <p:txBody>
+          <a:bodyPr rtlCol="0" anchor="ctr"/>
+          <a:lstStyle/>
+          <a:p>
+            <a:pPr algn="ctr"/>
+            <a:endParaRPr kumimoji="1" lang="ja-JP" altLang="en-US"/>
+          </a:p>
+        </p:txBody>
+      </p:sp>
+      <p:sp>
+        <p:nvSpPr>
+          <p:cNvPr id="26" name="正方形/長方形 25">
+            <a:extLst>
+              <a:ext uri="{FF2B5EF4-FFF2-40B4-BE49-F238E27FC236}">
+                <a16:creationId xmlns:a16="http://schemas.microsoft.com/office/drawing/2014/main" id="{5C58A985-A9D1-645C-AE0F-C77E68C2DB15}"/>
+              </a:ext>
+            </a:extLst>
+          </p:cNvPr>
+          <p:cNvSpPr/>
+          <p:nvPr/>
+        </p:nvSpPr>
+        <p:spPr>
+          <a:xfrm>
+            <a:off x="3999863" y="138023"/>
+            <a:ext cx="1949570" cy="2167537"/>
+          </a:xfrm>
+          <a:prstGeom prst="rect">
+            <a:avLst/>
+          </a:prstGeom>
+          <a:noFill/>
+          <a:ln>
+            <a:solidFill>
+              <a:schemeClr val="tx1"/>
+            </a:solidFill>
+          </a:ln>
+        </p:spPr>
+        <p:style>
+          <a:lnRef idx="2">
+            <a:schemeClr val="accent1">
+              <a:shade val="50000"/>
+            </a:schemeClr>
+          </a:lnRef>
+          <a:fillRef idx="1">
+            <a:schemeClr val="accent1"/>
+          </a:fillRef>
+          <a:effectRef idx="0">
+            <a:schemeClr val="accent1"/>
+          </a:effectRef>
+          <a:fontRef idx="minor">
+            <a:schemeClr val="lt1"/>
+          </a:fontRef>
+        </p:style>
+        <p:txBody>
+          <a:bodyPr rtlCol="0" anchor="ctr"/>
+          <a:lstStyle/>
+          <a:p>
+            <a:pPr algn="ctr"/>
+            <a:endParaRPr kumimoji="1" lang="ja-JP" altLang="en-US"/>
+          </a:p>
+        </p:txBody>
+      </p:sp>
+      <p:sp>
+        <p:nvSpPr>
+          <p:cNvPr id="27" name="正方形/長方形 26">
+            <a:extLst>
+              <a:ext uri="{FF2B5EF4-FFF2-40B4-BE49-F238E27FC236}">
+                <a16:creationId xmlns:a16="http://schemas.microsoft.com/office/drawing/2014/main" id="{C7C09EC9-6994-412B-58E7-3C061B7BB28D}"/>
+              </a:ext>
+            </a:extLst>
+          </p:cNvPr>
+          <p:cNvSpPr/>
+          <p:nvPr/>
+        </p:nvSpPr>
+        <p:spPr>
+          <a:xfrm>
+            <a:off x="5949433" y="138661"/>
+            <a:ext cx="1949570" cy="2167537"/>
+          </a:xfrm>
+          <a:prstGeom prst="rect">
+            <a:avLst/>
+          </a:prstGeom>
+          <a:noFill/>
+          <a:ln>
+            <a:solidFill>
+              <a:schemeClr val="tx1"/>
+            </a:solidFill>
+          </a:ln>
+        </p:spPr>
+        <p:style>
+          <a:lnRef idx="2">
+            <a:schemeClr val="accent1">
+              <a:shade val="50000"/>
+            </a:schemeClr>
+          </a:lnRef>
+          <a:fillRef idx="1">
+            <a:schemeClr val="accent1"/>
+          </a:fillRef>
+          <a:effectRef idx="0">
+            <a:schemeClr val="accent1"/>
+          </a:effectRef>
+          <a:fontRef idx="minor">
+            <a:schemeClr val="lt1"/>
+          </a:fontRef>
+        </p:style>
+        <p:txBody>
+          <a:bodyPr rtlCol="0" anchor="ctr"/>
+          <a:lstStyle/>
+          <a:p>
+            <a:pPr algn="ctr"/>
+            <a:endParaRPr kumimoji="1" lang="ja-JP" altLang="en-US"/>
+          </a:p>
+        </p:txBody>
+      </p:sp>
+      <p:sp>
+        <p:nvSpPr>
+          <p:cNvPr id="28" name="正方形/長方形 27">
+            <a:extLst>
+              <a:ext uri="{FF2B5EF4-FFF2-40B4-BE49-F238E27FC236}">
+                <a16:creationId xmlns:a16="http://schemas.microsoft.com/office/drawing/2014/main" id="{C20DADD4-539C-1497-2AAA-66E51CCE4E56}"/>
+              </a:ext>
+            </a:extLst>
+          </p:cNvPr>
+          <p:cNvSpPr/>
+          <p:nvPr/>
+        </p:nvSpPr>
+        <p:spPr>
+          <a:xfrm>
+            <a:off x="7899003" y="138661"/>
+            <a:ext cx="1949570" cy="2167537"/>
+          </a:xfrm>
+          <a:prstGeom prst="rect">
+            <a:avLst/>
+          </a:prstGeom>
+          <a:noFill/>
+          <a:ln>
+            <a:solidFill>
+              <a:schemeClr val="tx1"/>
+            </a:solidFill>
+          </a:ln>
+        </p:spPr>
+        <p:style>
+          <a:lnRef idx="2">
+            <a:schemeClr val="accent1">
+              <a:shade val="50000"/>
+            </a:schemeClr>
+          </a:lnRef>
+          <a:fillRef idx="1">
+            <a:schemeClr val="accent1"/>
+          </a:fillRef>
+          <a:effectRef idx="0">
+            <a:schemeClr val="accent1"/>
+          </a:effectRef>
+          <a:fontRef idx="minor">
+            <a:schemeClr val="lt1"/>
+          </a:fontRef>
+        </p:style>
+        <p:txBody>
+          <a:bodyPr rtlCol="0" anchor="ctr"/>
+          <a:lstStyle/>
+          <a:p>
+            <a:pPr algn="ctr"/>
+            <a:endParaRPr kumimoji="1" lang="ja-JP" altLang="en-US"/>
+          </a:p>
+        </p:txBody>
+      </p:sp>
+      <p:sp>
+        <p:nvSpPr>
+          <p:cNvPr id="30" name="正方形/長方形 29">
+            <a:extLst>
+              <a:ext uri="{FF2B5EF4-FFF2-40B4-BE49-F238E27FC236}">
+                <a16:creationId xmlns:a16="http://schemas.microsoft.com/office/drawing/2014/main" id="{ED7576FB-3E86-C09E-DA99-766A01424162}"/>
+              </a:ext>
+            </a:extLst>
+          </p:cNvPr>
+          <p:cNvSpPr/>
+          <p:nvPr/>
+        </p:nvSpPr>
+        <p:spPr>
+          <a:xfrm>
+            <a:off x="100723" y="2306627"/>
+            <a:ext cx="1949570" cy="2167537"/>
+          </a:xfrm>
+          <a:prstGeom prst="rect">
+            <a:avLst/>
+          </a:prstGeom>
+          <a:noFill/>
+          <a:ln>
+            <a:solidFill>
+              <a:schemeClr val="tx1"/>
+            </a:solidFill>
+          </a:ln>
+        </p:spPr>
+        <p:style>
+          <a:lnRef idx="2">
+            <a:schemeClr val="accent1">
+              <a:shade val="50000"/>
+            </a:schemeClr>
+          </a:lnRef>
+          <a:fillRef idx="1">
+            <a:schemeClr val="accent1"/>
+          </a:fillRef>
+          <a:effectRef idx="0">
+            <a:schemeClr val="accent1"/>
+          </a:effectRef>
+          <a:fontRef idx="minor">
+            <a:schemeClr val="lt1"/>
+          </a:fontRef>
+        </p:style>
+        <p:txBody>
+          <a:bodyPr rtlCol="0" anchor="ctr"/>
+          <a:lstStyle/>
+          <a:p>
+            <a:pPr algn="ctr"/>
+            <a:endParaRPr kumimoji="1" lang="ja-JP" altLang="en-US"/>
+          </a:p>
+        </p:txBody>
+      </p:sp>
+      <p:sp>
+        <p:nvSpPr>
+          <p:cNvPr id="31" name="正方形/長方形 30">
+            <a:extLst>
+              <a:ext uri="{FF2B5EF4-FFF2-40B4-BE49-F238E27FC236}">
+                <a16:creationId xmlns:a16="http://schemas.microsoft.com/office/drawing/2014/main" id="{C8141994-3801-18D7-A910-D0D312FD5525}"/>
+              </a:ext>
+            </a:extLst>
+          </p:cNvPr>
+          <p:cNvSpPr/>
+          <p:nvPr/>
+        </p:nvSpPr>
+        <p:spPr>
+          <a:xfrm>
+            <a:off x="2050293" y="2307266"/>
+            <a:ext cx="1949570" cy="2167537"/>
+          </a:xfrm>
+          <a:prstGeom prst="rect">
+            <a:avLst/>
+          </a:prstGeom>
+          <a:noFill/>
+          <a:ln>
+            <a:solidFill>
+              <a:schemeClr val="tx1"/>
+            </a:solidFill>
+          </a:ln>
+        </p:spPr>
+        <p:style>
+          <a:lnRef idx="2">
+            <a:schemeClr val="accent1">
+              <a:shade val="50000"/>
+            </a:schemeClr>
+          </a:lnRef>
+          <a:fillRef idx="1">
+            <a:schemeClr val="accent1"/>
+          </a:fillRef>
+          <a:effectRef idx="0">
+            <a:schemeClr val="accent1"/>
+          </a:effectRef>
+          <a:fontRef idx="minor">
+            <a:schemeClr val="lt1"/>
+          </a:fontRef>
+        </p:style>
+        <p:txBody>
+          <a:bodyPr rtlCol="0" anchor="ctr"/>
+          <a:lstStyle/>
+          <a:p>
+            <a:pPr algn="ctr"/>
+            <a:endParaRPr kumimoji="1" lang="ja-JP" altLang="en-US"/>
+          </a:p>
+        </p:txBody>
+      </p:sp>
+      <p:sp>
+        <p:nvSpPr>
+          <p:cNvPr id="32" name="正方形/長方形 31">
+            <a:extLst>
+              <a:ext uri="{FF2B5EF4-FFF2-40B4-BE49-F238E27FC236}">
+                <a16:creationId xmlns:a16="http://schemas.microsoft.com/office/drawing/2014/main" id="{B13E9FE5-FD67-A478-A621-7C3B196C3C45}"/>
+              </a:ext>
+            </a:extLst>
+          </p:cNvPr>
+          <p:cNvSpPr/>
+          <p:nvPr/>
+        </p:nvSpPr>
+        <p:spPr>
+          <a:xfrm>
+            <a:off x="3999863" y="2307266"/>
+            <a:ext cx="1949570" cy="2167537"/>
+          </a:xfrm>
+          <a:prstGeom prst="rect">
+            <a:avLst/>
+          </a:prstGeom>
+          <a:noFill/>
+          <a:ln>
+            <a:solidFill>
+              <a:schemeClr val="tx1"/>
+            </a:solidFill>
+          </a:ln>
+        </p:spPr>
+        <p:style>
+          <a:lnRef idx="2">
+            <a:schemeClr val="accent1">
+              <a:shade val="50000"/>
+            </a:schemeClr>
+          </a:lnRef>
+          <a:fillRef idx="1">
+            <a:schemeClr val="accent1"/>
+          </a:fillRef>
+          <a:effectRef idx="0">
+            <a:schemeClr val="accent1"/>
+          </a:effectRef>
+          <a:fontRef idx="minor">
+            <a:schemeClr val="lt1"/>
+          </a:fontRef>
+        </p:style>
+        <p:txBody>
+          <a:bodyPr rtlCol="0" anchor="ctr"/>
+          <a:lstStyle/>
+          <a:p>
+            <a:pPr algn="ctr"/>
+            <a:endParaRPr kumimoji="1" lang="ja-JP" altLang="en-US"/>
+          </a:p>
+        </p:txBody>
+      </p:sp>
+      <p:sp>
+        <p:nvSpPr>
+          <p:cNvPr id="33" name="正方形/長方形 32">
+            <a:extLst>
+              <a:ext uri="{FF2B5EF4-FFF2-40B4-BE49-F238E27FC236}">
+                <a16:creationId xmlns:a16="http://schemas.microsoft.com/office/drawing/2014/main" id="{D2F82A48-89C1-4FD8-C2F7-89F62BEF9BD5}"/>
+              </a:ext>
+            </a:extLst>
+          </p:cNvPr>
+          <p:cNvSpPr/>
+          <p:nvPr/>
+        </p:nvSpPr>
+        <p:spPr>
+          <a:xfrm>
+            <a:off x="5949433" y="2307266"/>
+            <a:ext cx="1949570" cy="2167537"/>
+          </a:xfrm>
+          <a:prstGeom prst="rect">
+            <a:avLst/>
+          </a:prstGeom>
+          <a:noFill/>
+          <a:ln>
+            <a:solidFill>
+              <a:schemeClr val="tx1"/>
+            </a:solidFill>
+          </a:ln>
+        </p:spPr>
+        <p:style>
+          <a:lnRef idx="2">
+            <a:schemeClr val="accent1">
+              <a:shade val="50000"/>
+            </a:schemeClr>
+          </a:lnRef>
+          <a:fillRef idx="1">
+            <a:schemeClr val="accent1"/>
+          </a:fillRef>
+          <a:effectRef idx="0">
+            <a:schemeClr val="accent1"/>
+          </a:effectRef>
+          <a:fontRef idx="minor">
+            <a:schemeClr val="lt1"/>
+          </a:fontRef>
+        </p:style>
+        <p:txBody>
+          <a:bodyPr rtlCol="0" anchor="ctr"/>
+          <a:lstStyle/>
+          <a:p>
+            <a:pPr algn="ctr"/>
+            <a:endParaRPr kumimoji="1" lang="ja-JP" altLang="en-US"/>
+          </a:p>
+        </p:txBody>
+      </p:sp>
+      <p:sp>
+        <p:nvSpPr>
+          <p:cNvPr id="34" name="正方形/長方形 33">
+            <a:extLst>
+              <a:ext uri="{FF2B5EF4-FFF2-40B4-BE49-F238E27FC236}">
+                <a16:creationId xmlns:a16="http://schemas.microsoft.com/office/drawing/2014/main" id="{86523BD6-1B85-74B4-60C4-1D14B72B4BB4}"/>
+              </a:ext>
+            </a:extLst>
+          </p:cNvPr>
+          <p:cNvSpPr/>
+          <p:nvPr/>
+        </p:nvSpPr>
+        <p:spPr>
+          <a:xfrm>
+            <a:off x="7899003" y="2304921"/>
+            <a:ext cx="1949570" cy="2167537"/>
+          </a:xfrm>
+          <a:prstGeom prst="rect">
+            <a:avLst/>
+          </a:prstGeom>
+          <a:noFill/>
+          <a:ln>
+            <a:solidFill>
+              <a:schemeClr val="tx1"/>
+            </a:solidFill>
+          </a:ln>
+        </p:spPr>
+        <p:style>
+          <a:lnRef idx="2">
+            <a:schemeClr val="accent1">
+              <a:shade val="50000"/>
+            </a:schemeClr>
+          </a:lnRef>
+          <a:fillRef idx="1">
+            <a:schemeClr val="accent1"/>
+          </a:fillRef>
+          <a:effectRef idx="0">
+            <a:schemeClr val="accent1"/>
+          </a:effectRef>
+          <a:fontRef idx="minor">
+            <a:schemeClr val="lt1"/>
+          </a:fontRef>
+        </p:style>
+        <p:txBody>
+          <a:bodyPr rtlCol="0" anchor="ctr"/>
+          <a:lstStyle/>
+          <a:p>
+            <a:pPr algn="ctr"/>
+            <a:endParaRPr kumimoji="1" lang="ja-JP" altLang="en-US"/>
+          </a:p>
+        </p:txBody>
+      </p:sp>
+      <p:sp>
+        <p:nvSpPr>
+          <p:cNvPr id="35" name="正方形/長方形 34">
+            <a:extLst>
+              <a:ext uri="{FF2B5EF4-FFF2-40B4-BE49-F238E27FC236}">
+                <a16:creationId xmlns:a16="http://schemas.microsoft.com/office/drawing/2014/main" id="{BDC83A38-EEB4-1061-3692-AC0D3C2BC430}"/>
+              </a:ext>
+            </a:extLst>
+          </p:cNvPr>
+          <p:cNvSpPr/>
+          <p:nvPr/>
+        </p:nvSpPr>
+        <p:spPr>
+          <a:xfrm>
+            <a:off x="100723" y="4474164"/>
+            <a:ext cx="1949570" cy="2167537"/>
+          </a:xfrm>
+          <a:prstGeom prst="rect">
+            <a:avLst/>
+          </a:prstGeom>
+          <a:noFill/>
+          <a:ln>
+            <a:solidFill>
+              <a:schemeClr val="tx1"/>
+            </a:solidFill>
+          </a:ln>
+        </p:spPr>
+        <p:style>
+          <a:lnRef idx="2">
+            <a:schemeClr val="accent1">
+              <a:shade val="50000"/>
+            </a:schemeClr>
+          </a:lnRef>
+          <a:fillRef idx="1">
+            <a:schemeClr val="accent1"/>
+          </a:fillRef>
+          <a:effectRef idx="0">
+            <a:schemeClr val="accent1"/>
+          </a:effectRef>
+          <a:fontRef idx="minor">
+            <a:schemeClr val="lt1"/>
+          </a:fontRef>
+        </p:style>
+        <p:txBody>
+          <a:bodyPr rtlCol="0" anchor="ctr"/>
+          <a:lstStyle/>
+          <a:p>
+            <a:pPr algn="ctr"/>
+            <a:endParaRPr kumimoji="1" lang="ja-JP" altLang="en-US"/>
+          </a:p>
+        </p:txBody>
+      </p:sp>
+      <p:sp>
+        <p:nvSpPr>
+          <p:cNvPr id="36" name="正方形/長方形 35">
+            <a:extLst>
+              <a:ext uri="{FF2B5EF4-FFF2-40B4-BE49-F238E27FC236}">
+                <a16:creationId xmlns:a16="http://schemas.microsoft.com/office/drawing/2014/main" id="{BC0BE348-A5D1-F3B1-2513-F1FDEECBB43E}"/>
+              </a:ext>
+            </a:extLst>
+          </p:cNvPr>
+          <p:cNvSpPr/>
+          <p:nvPr/>
+        </p:nvSpPr>
+        <p:spPr>
+          <a:xfrm>
+            <a:off x="2050293" y="4474803"/>
+            <a:ext cx="1949570" cy="2167537"/>
+          </a:xfrm>
+          <a:prstGeom prst="rect">
+            <a:avLst/>
+          </a:prstGeom>
+          <a:noFill/>
+          <a:ln>
+            <a:solidFill>
+              <a:schemeClr val="tx1"/>
+            </a:solidFill>
+          </a:ln>
+        </p:spPr>
+        <p:style>
+          <a:lnRef idx="2">
+            <a:schemeClr val="accent1">
+              <a:shade val="50000"/>
+            </a:schemeClr>
+          </a:lnRef>
+          <a:fillRef idx="1">
+            <a:schemeClr val="accent1"/>
+          </a:fillRef>
+          <a:effectRef idx="0">
+            <a:schemeClr val="accent1"/>
+          </a:effectRef>
+          <a:fontRef idx="minor">
+            <a:schemeClr val="lt1"/>
+          </a:fontRef>
+        </p:style>
+        <p:txBody>
+          <a:bodyPr rtlCol="0" anchor="ctr"/>
+          <a:lstStyle/>
+          <a:p>
+            <a:pPr algn="ctr"/>
+            <a:endParaRPr kumimoji="1" lang="ja-JP" altLang="en-US"/>
+          </a:p>
+        </p:txBody>
+      </p:sp>
+      <p:sp>
+        <p:nvSpPr>
+          <p:cNvPr id="37" name="正方形/長方形 36">
+            <a:extLst>
+              <a:ext uri="{FF2B5EF4-FFF2-40B4-BE49-F238E27FC236}">
+                <a16:creationId xmlns:a16="http://schemas.microsoft.com/office/drawing/2014/main" id="{F94F7BA0-EBAB-4F47-8CAA-E6B5A2E7949E}"/>
+              </a:ext>
+            </a:extLst>
+          </p:cNvPr>
+          <p:cNvSpPr/>
+          <p:nvPr/>
+        </p:nvSpPr>
+        <p:spPr>
+          <a:xfrm>
+            <a:off x="3999863" y="4474803"/>
+            <a:ext cx="1949570" cy="2167537"/>
+          </a:xfrm>
+          <a:prstGeom prst="rect">
+            <a:avLst/>
+          </a:prstGeom>
+          <a:noFill/>
+          <a:ln>
+            <a:solidFill>
+              <a:schemeClr val="tx1"/>
+            </a:solidFill>
+          </a:ln>
+        </p:spPr>
+        <p:style>
+          <a:lnRef idx="2">
+            <a:schemeClr val="accent1">
+              <a:shade val="50000"/>
+            </a:schemeClr>
+          </a:lnRef>
+          <a:fillRef idx="1">
+            <a:schemeClr val="accent1"/>
+          </a:fillRef>
+          <a:effectRef idx="0">
+            <a:schemeClr val="accent1"/>
+          </a:effectRef>
+          <a:fontRef idx="minor">
+            <a:schemeClr val="lt1"/>
+          </a:fontRef>
+        </p:style>
+        <p:txBody>
+          <a:bodyPr rtlCol="0" anchor="ctr"/>
+          <a:lstStyle/>
+          <a:p>
+            <a:pPr algn="ctr"/>
+            <a:endParaRPr kumimoji="1" lang="ja-JP" altLang="en-US"/>
+          </a:p>
+        </p:txBody>
+      </p:sp>
+      <p:sp>
+        <p:nvSpPr>
+          <p:cNvPr id="38" name="正方形/長方形 37">
+            <a:extLst>
+              <a:ext uri="{FF2B5EF4-FFF2-40B4-BE49-F238E27FC236}">
+                <a16:creationId xmlns:a16="http://schemas.microsoft.com/office/drawing/2014/main" id="{AFD80177-93C5-A441-1AF1-153B4BD40E83}"/>
+              </a:ext>
+            </a:extLst>
+          </p:cNvPr>
+          <p:cNvSpPr/>
+          <p:nvPr/>
+        </p:nvSpPr>
+        <p:spPr>
+          <a:xfrm>
+            <a:off x="5949433" y="4474803"/>
+            <a:ext cx="1949570" cy="2167537"/>
+          </a:xfrm>
+          <a:prstGeom prst="rect">
+            <a:avLst/>
+          </a:prstGeom>
+          <a:noFill/>
+          <a:ln>
+            <a:solidFill>
+              <a:schemeClr val="tx1"/>
+            </a:solidFill>
+          </a:ln>
+        </p:spPr>
+        <p:style>
+          <a:lnRef idx="2">
+            <a:schemeClr val="accent1">
+              <a:shade val="50000"/>
+            </a:schemeClr>
+          </a:lnRef>
+          <a:fillRef idx="1">
+            <a:schemeClr val="accent1"/>
+          </a:fillRef>
+          <a:effectRef idx="0">
+            <a:schemeClr val="accent1"/>
+          </a:effectRef>
+          <a:fontRef idx="minor">
+            <a:schemeClr val="lt1"/>
+          </a:fontRef>
+        </p:style>
+        <p:txBody>
+          <a:bodyPr rtlCol="0" anchor="ctr"/>
+          <a:lstStyle/>
+          <a:p>
+            <a:pPr algn="ctr"/>
+            <a:endParaRPr kumimoji="1" lang="ja-JP" altLang="en-US"/>
+          </a:p>
+        </p:txBody>
+      </p:sp>
+      <p:sp>
+        <p:nvSpPr>
+          <p:cNvPr id="39" name="正方形/長方形 38">
+            <a:extLst>
+              <a:ext uri="{FF2B5EF4-FFF2-40B4-BE49-F238E27FC236}">
+                <a16:creationId xmlns:a16="http://schemas.microsoft.com/office/drawing/2014/main" id="{546C9EC9-1591-0DA1-F722-5A9F0B7134CB}"/>
+              </a:ext>
+            </a:extLst>
+          </p:cNvPr>
+          <p:cNvSpPr/>
+          <p:nvPr/>
+        </p:nvSpPr>
+        <p:spPr>
+          <a:xfrm>
+            <a:off x="7899003" y="4474803"/>
+            <a:ext cx="1949570" cy="2167537"/>
+          </a:xfrm>
+          <a:prstGeom prst="rect">
+            <a:avLst/>
+          </a:prstGeom>
+          <a:noFill/>
+          <a:ln>
+            <a:solidFill>
+              <a:schemeClr val="tx1"/>
+            </a:solidFill>
+          </a:ln>
+        </p:spPr>
+        <p:style>
+          <a:lnRef idx="2">
+            <a:schemeClr val="accent1">
+              <a:shade val="50000"/>
+            </a:schemeClr>
+          </a:lnRef>
+          <a:fillRef idx="1">
+            <a:schemeClr val="accent1"/>
+          </a:fillRef>
+          <a:effectRef idx="0">
+            <a:schemeClr val="accent1"/>
+          </a:effectRef>
+          <a:fontRef idx="minor">
+            <a:schemeClr val="lt1"/>
+          </a:fontRef>
+        </p:style>
+        <p:txBody>
+          <a:bodyPr rtlCol="0" anchor="ctr"/>
+          <a:lstStyle/>
+          <a:p>
+            <a:pPr algn="ctr"/>
+            <a:endParaRPr kumimoji="1" lang="ja-JP" altLang="en-US"/>
+          </a:p>
+        </p:txBody>
+      </p:sp>
+      <p:grpSp>
+        <p:nvGrpSpPr>
+          <p:cNvPr id="45" name="グループ化 44">
+            <a:extLst>
+              <a:ext uri="{FF2B5EF4-FFF2-40B4-BE49-F238E27FC236}">
+                <a16:creationId xmlns:a16="http://schemas.microsoft.com/office/drawing/2014/main" id="{65168E15-712B-8673-62E3-21F89F053DBB}"/>
+              </a:ext>
+            </a:extLst>
+          </p:cNvPr>
+          <p:cNvGrpSpPr/>
+          <p:nvPr/>
+        </p:nvGrpSpPr>
+        <p:grpSpPr>
+          <a:xfrm>
+            <a:off x="782344" y="6312337"/>
+            <a:ext cx="8384608" cy="369332"/>
+            <a:chOff x="753928" y="4641556"/>
+            <a:chExt cx="8384608" cy="369332"/>
+          </a:xfrm>
+        </p:grpSpPr>
+        <p:sp>
+          <p:nvSpPr>
+            <p:cNvPr id="46" name="テキスト ボックス 45">
+              <a:extLst>
+                <a:ext uri="{FF2B5EF4-FFF2-40B4-BE49-F238E27FC236}">
+                  <a16:creationId xmlns:a16="http://schemas.microsoft.com/office/drawing/2014/main" id="{659737B6-6D29-08FA-6A94-0593EE88E4CD}"/>
+                </a:ext>
+              </a:extLst>
+            </p:cNvPr>
+            <p:cNvSpPr txBox="1"/>
+            <p:nvPr/>
+          </p:nvSpPr>
+          <p:spPr>
+            <a:xfrm>
+              <a:off x="753928" y="4641556"/>
+              <a:ext cx="535724" cy="369332"/>
+            </a:xfrm>
+            <a:prstGeom prst="rect">
+              <a:avLst/>
+            </a:prstGeom>
+            <a:noFill/>
+          </p:spPr>
+          <p:txBody>
+            <a:bodyPr wrap="none" rtlCol="0">
+              <a:spAutoFit/>
+            </a:bodyPr>
+            <a:lstStyle/>
+            <a:p>
+              <a:r>
+                <a:rPr kumimoji="1" lang="en-US" altLang="ja-JP" dirty="0"/>
+                <a:t>010</a:t>
+              </a:r>
+              <a:endParaRPr kumimoji="1" lang="ja-JP" altLang="en-US" dirty="0"/>
+            </a:p>
+          </p:txBody>
+        </p:sp>
+        <p:sp>
+          <p:nvSpPr>
+            <p:cNvPr id="47" name="テキスト ボックス 46">
+              <a:extLst>
+                <a:ext uri="{FF2B5EF4-FFF2-40B4-BE49-F238E27FC236}">
+                  <a16:creationId xmlns:a16="http://schemas.microsoft.com/office/drawing/2014/main" id="{212FD6EA-1FAB-DE4E-7439-1C3179CFC44E}"/>
+                </a:ext>
+              </a:extLst>
+            </p:cNvPr>
+            <p:cNvSpPr txBox="1"/>
+            <p:nvPr/>
+          </p:nvSpPr>
+          <p:spPr>
+            <a:xfrm>
+              <a:off x="2716149" y="4641556"/>
+              <a:ext cx="535724" cy="369332"/>
+            </a:xfrm>
+            <a:prstGeom prst="rect">
+              <a:avLst/>
+            </a:prstGeom>
+            <a:noFill/>
+          </p:spPr>
+          <p:txBody>
+            <a:bodyPr wrap="none" rtlCol="0">
+              <a:spAutoFit/>
+            </a:bodyPr>
+            <a:lstStyle/>
+            <a:p>
+              <a:r>
+                <a:rPr kumimoji="1" lang="en-US" altLang="ja-JP" dirty="0"/>
+                <a:t>011</a:t>
+              </a:r>
+              <a:endParaRPr kumimoji="1" lang="ja-JP" altLang="en-US" dirty="0"/>
+            </a:p>
+          </p:txBody>
+        </p:sp>
+        <p:sp>
+          <p:nvSpPr>
+            <p:cNvPr id="48" name="テキスト ボックス 47">
+              <a:extLst>
+                <a:ext uri="{FF2B5EF4-FFF2-40B4-BE49-F238E27FC236}">
+                  <a16:creationId xmlns:a16="http://schemas.microsoft.com/office/drawing/2014/main" id="{B7393BDC-2590-3188-4A82-CA798FFCD6C2}"/>
+                </a:ext>
+              </a:extLst>
+            </p:cNvPr>
+            <p:cNvSpPr txBox="1"/>
+            <p:nvPr/>
+          </p:nvSpPr>
+          <p:spPr>
+            <a:xfrm>
+              <a:off x="4678370" y="4641556"/>
+              <a:ext cx="535724" cy="369332"/>
+            </a:xfrm>
+            <a:prstGeom prst="rect">
+              <a:avLst/>
+            </a:prstGeom>
+            <a:noFill/>
+          </p:spPr>
+          <p:txBody>
+            <a:bodyPr wrap="none" rtlCol="0">
+              <a:spAutoFit/>
+            </a:bodyPr>
+            <a:lstStyle/>
+            <a:p>
+              <a:r>
+                <a:rPr kumimoji="1" lang="en-US" altLang="ja-JP" dirty="0"/>
+                <a:t>012</a:t>
+              </a:r>
+              <a:endParaRPr kumimoji="1" lang="ja-JP" altLang="en-US" dirty="0"/>
+            </a:p>
+          </p:txBody>
+        </p:sp>
+        <p:sp>
+          <p:nvSpPr>
+            <p:cNvPr id="49" name="テキスト ボックス 48">
+              <a:extLst>
+                <a:ext uri="{FF2B5EF4-FFF2-40B4-BE49-F238E27FC236}">
+                  <a16:creationId xmlns:a16="http://schemas.microsoft.com/office/drawing/2014/main" id="{524C9B9D-A1D7-DBDB-73C6-C40EC35572EE}"/>
+                </a:ext>
+              </a:extLst>
+            </p:cNvPr>
+            <p:cNvSpPr txBox="1"/>
+            <p:nvPr/>
+          </p:nvSpPr>
+          <p:spPr>
+            <a:xfrm>
+              <a:off x="6640591" y="4641556"/>
+              <a:ext cx="535724" cy="369332"/>
+            </a:xfrm>
+            <a:prstGeom prst="rect">
+              <a:avLst/>
+            </a:prstGeom>
+            <a:noFill/>
+          </p:spPr>
+          <p:txBody>
+            <a:bodyPr wrap="none" rtlCol="0">
+              <a:spAutoFit/>
+            </a:bodyPr>
+            <a:lstStyle/>
+            <a:p>
+              <a:r>
+                <a:rPr kumimoji="1" lang="en-US" altLang="ja-JP" dirty="0"/>
+                <a:t>013</a:t>
+              </a:r>
+            </a:p>
+          </p:txBody>
+        </p:sp>
+        <p:sp>
+          <p:nvSpPr>
+            <p:cNvPr id="50" name="テキスト ボックス 49">
+              <a:extLst>
+                <a:ext uri="{FF2B5EF4-FFF2-40B4-BE49-F238E27FC236}">
+                  <a16:creationId xmlns:a16="http://schemas.microsoft.com/office/drawing/2014/main" id="{73FA593A-C959-C21F-194C-E829BEA17A3D}"/>
+                </a:ext>
+              </a:extLst>
+            </p:cNvPr>
+            <p:cNvSpPr txBox="1"/>
+            <p:nvPr/>
+          </p:nvSpPr>
+          <p:spPr>
+            <a:xfrm>
+              <a:off x="8602812" y="4641556"/>
+              <a:ext cx="535724" cy="369332"/>
+            </a:xfrm>
+            <a:prstGeom prst="rect">
+              <a:avLst/>
+            </a:prstGeom>
+            <a:noFill/>
+          </p:spPr>
+          <p:txBody>
+            <a:bodyPr wrap="none" rtlCol="0">
+              <a:spAutoFit/>
+            </a:bodyPr>
+            <a:lstStyle/>
+            <a:p>
+              <a:r>
+                <a:rPr kumimoji="1" lang="en-US" altLang="ja-JP" dirty="0"/>
+                <a:t>014</a:t>
+              </a:r>
+              <a:endParaRPr kumimoji="1" lang="ja-JP" altLang="en-US" dirty="0"/>
+            </a:p>
+          </p:txBody>
+        </p:sp>
+      </p:grpSp>
+      <p:grpSp>
+        <p:nvGrpSpPr>
+          <p:cNvPr id="85" name="グループ化 84">
+            <a:extLst>
+              <a:ext uri="{FF2B5EF4-FFF2-40B4-BE49-F238E27FC236}">
+                <a16:creationId xmlns:a16="http://schemas.microsoft.com/office/drawing/2014/main" id="{8298C778-DC8B-F8B5-5EA3-6CE7B887AB46}"/>
+              </a:ext>
+            </a:extLst>
+          </p:cNvPr>
+          <p:cNvGrpSpPr/>
+          <p:nvPr/>
+        </p:nvGrpSpPr>
+        <p:grpSpPr>
+          <a:xfrm>
+            <a:off x="314262" y="4756616"/>
+            <a:ext cx="9318351" cy="1517650"/>
+            <a:chOff x="314262" y="4736202"/>
+            <a:chExt cx="9318351" cy="1517650"/>
+          </a:xfrm>
+        </p:grpSpPr>
+        <p:pic>
+          <p:nvPicPr>
+            <p:cNvPr id="76" name="図 75" descr="ロゴ&#10;&#10;自動的に生成された説明">
+              <a:extLst>
+                <a:ext uri="{FF2B5EF4-FFF2-40B4-BE49-F238E27FC236}">
+                  <a16:creationId xmlns:a16="http://schemas.microsoft.com/office/drawing/2014/main" id="{754B74BE-5408-AE73-686B-00EDA18E6192}"/>
+                </a:ext>
+              </a:extLst>
+            </p:cNvPr>
+            <p:cNvPicPr>
+              <a:picLocks noChangeAspect="1"/>
+            </p:cNvPicPr>
+            <p:nvPr/>
+          </p:nvPicPr>
+          <p:blipFill>
+            <a:blip r:embed="rId12">
+              <a:extLst>
+                <a:ext uri="{28A0092B-C50C-407E-A947-70E740481C1C}">
+                  <a14:useLocalDpi xmlns:a14="http://schemas.microsoft.com/office/drawing/2010/main" val="0"/>
+                </a:ext>
+              </a:extLst>
+            </a:blip>
+            <a:stretch>
+              <a:fillRect/>
+            </a:stretch>
+          </p:blipFill>
+          <p:spPr>
+            <a:xfrm>
+              <a:off x="314262" y="4736202"/>
+              <a:ext cx="1517650" cy="1517650"/>
+            </a:xfrm>
+            <a:prstGeom prst="rect">
+              <a:avLst/>
+            </a:prstGeom>
+          </p:spPr>
+        </p:pic>
+        <p:pic>
+          <p:nvPicPr>
+            <p:cNvPr id="78" name="図 77" descr="黒い背景に白い文字がある&#10;&#10;低い精度で自動的に生成された説明">
+              <a:extLst>
+                <a:ext uri="{FF2B5EF4-FFF2-40B4-BE49-F238E27FC236}">
+                  <a16:creationId xmlns:a16="http://schemas.microsoft.com/office/drawing/2014/main" id="{F87D7154-A3FC-C711-0BF2-1A73B3B7F8D9}"/>
+                </a:ext>
+              </a:extLst>
+            </p:cNvPr>
+            <p:cNvPicPr>
+              <a:picLocks noChangeAspect="1"/>
+            </p:cNvPicPr>
+            <p:nvPr/>
+          </p:nvPicPr>
+          <p:blipFill>
+            <a:blip r:embed="rId13">
+              <a:extLst>
+                <a:ext uri="{28A0092B-C50C-407E-A947-70E740481C1C}">
+                  <a14:useLocalDpi xmlns:a14="http://schemas.microsoft.com/office/drawing/2010/main" val="0"/>
+                </a:ext>
+              </a:extLst>
+            </a:blip>
+            <a:stretch>
+              <a:fillRect/>
+            </a:stretch>
+          </p:blipFill>
+          <p:spPr>
+            <a:xfrm>
+              <a:off x="2264437" y="4736202"/>
+              <a:ext cx="1517650" cy="1517650"/>
+            </a:xfrm>
+            <a:prstGeom prst="rect">
+              <a:avLst/>
+            </a:prstGeom>
+          </p:spPr>
+        </p:pic>
+        <p:pic>
+          <p:nvPicPr>
+            <p:cNvPr id="80" name="図 79" descr="ロゴ&#10;&#10;自動的に生成された説明">
+              <a:extLst>
+                <a:ext uri="{FF2B5EF4-FFF2-40B4-BE49-F238E27FC236}">
+                  <a16:creationId xmlns:a16="http://schemas.microsoft.com/office/drawing/2014/main" id="{949A2D4E-2E9A-9571-9E5D-49F431D37B28}"/>
+                </a:ext>
+              </a:extLst>
+            </p:cNvPr>
+            <p:cNvPicPr>
+              <a:picLocks noChangeAspect="1"/>
+            </p:cNvPicPr>
+            <p:nvPr/>
+          </p:nvPicPr>
+          <p:blipFill>
+            <a:blip r:embed="rId14">
+              <a:extLst>
+                <a:ext uri="{28A0092B-C50C-407E-A947-70E740481C1C}">
+                  <a14:useLocalDpi xmlns:a14="http://schemas.microsoft.com/office/drawing/2010/main" val="0"/>
+                </a:ext>
+              </a:extLst>
+            </a:blip>
+            <a:stretch>
+              <a:fillRect/>
+            </a:stretch>
+          </p:blipFill>
+          <p:spPr>
+            <a:xfrm>
+              <a:off x="4214612" y="4736202"/>
+              <a:ext cx="1517650" cy="1517650"/>
+            </a:xfrm>
+            <a:prstGeom prst="rect">
+              <a:avLst/>
+            </a:prstGeom>
+          </p:spPr>
+        </p:pic>
+        <p:pic>
+          <p:nvPicPr>
+            <p:cNvPr id="82" name="図 81" descr="黒い背景に白い文字がある&#10;&#10;低い精度で自動的に生成された説明">
+              <a:extLst>
+                <a:ext uri="{FF2B5EF4-FFF2-40B4-BE49-F238E27FC236}">
+                  <a16:creationId xmlns:a16="http://schemas.microsoft.com/office/drawing/2014/main" id="{3122FAEE-1AE5-9E47-2F2B-72232954565B}"/>
+                </a:ext>
+              </a:extLst>
+            </p:cNvPr>
+            <p:cNvPicPr>
+              <a:picLocks noChangeAspect="1"/>
+            </p:cNvPicPr>
+            <p:nvPr/>
+          </p:nvPicPr>
+          <p:blipFill>
+            <a:blip r:embed="rId15">
+              <a:extLst>
+                <a:ext uri="{28A0092B-C50C-407E-A947-70E740481C1C}">
+                  <a14:useLocalDpi xmlns:a14="http://schemas.microsoft.com/office/drawing/2010/main" val="0"/>
+                </a:ext>
+              </a:extLst>
+            </a:blip>
+            <a:stretch>
+              <a:fillRect/>
+            </a:stretch>
+          </p:blipFill>
+          <p:spPr>
+            <a:xfrm>
+              <a:off x="6164787" y="4736202"/>
+              <a:ext cx="1517650" cy="1517650"/>
+            </a:xfrm>
+            <a:prstGeom prst="rect">
+              <a:avLst/>
+            </a:prstGeom>
+          </p:spPr>
+        </p:pic>
+        <p:pic>
+          <p:nvPicPr>
+            <p:cNvPr id="84" name="図 83" descr="ロゴ, QR コード&#10;&#10;自動的に生成された説明">
+              <a:extLst>
+                <a:ext uri="{FF2B5EF4-FFF2-40B4-BE49-F238E27FC236}">
+                  <a16:creationId xmlns:a16="http://schemas.microsoft.com/office/drawing/2014/main" id="{BB67DBB6-92DD-F3AD-DB2D-98A363A033E6}"/>
+                </a:ext>
+              </a:extLst>
+            </p:cNvPr>
+            <p:cNvPicPr>
+              <a:picLocks noChangeAspect="1"/>
+            </p:cNvPicPr>
+            <p:nvPr/>
+          </p:nvPicPr>
+          <p:blipFill>
+            <a:blip r:embed="rId16">
+              <a:extLst>
+                <a:ext uri="{28A0092B-C50C-407E-A947-70E740481C1C}">
+                  <a14:useLocalDpi xmlns:a14="http://schemas.microsoft.com/office/drawing/2010/main" val="0"/>
+                </a:ext>
+              </a:extLst>
+            </a:blip>
+            <a:stretch>
+              <a:fillRect/>
+            </a:stretch>
+          </p:blipFill>
+          <p:spPr>
+            <a:xfrm>
+              <a:off x="8114963" y="4736202"/>
+              <a:ext cx="1517650" cy="1517650"/>
+            </a:xfrm>
+            <a:prstGeom prst="rect">
+              <a:avLst/>
+            </a:prstGeom>
+          </p:spPr>
+        </p:pic>
+      </p:grpSp>
+    </p:spTree>
+    <p:extLst>
+      <p:ext uri="{BB962C8B-B14F-4D97-AF65-F5344CB8AC3E}">
+        <p14:creationId xmlns:p14="http://schemas.microsoft.com/office/powerpoint/2010/main" val="2475288078"/>
+      </p:ext>
+    </p:extLst>
+  </p:cSld>
+  <p:clrMapOvr>
+    <a:masterClrMapping/>
+  </p:clrMapOvr>
+</p:sld>
+</file>
+
+<file path=ppt/slides/slide2.xml><?xml version="1.0" encoding="utf-8"?>
 <p:sld xmlns:a="http://schemas.openxmlformats.org/drawingml/2006/main" xmlns:r="http://schemas.openxmlformats.org/officeDocument/2006/relationships" xmlns:p="http://schemas.openxmlformats.org/presentationml/2006/main">
   <p:cSld>
     <p:spTree>
@@ -6476,7 +8490,7 @@
 </p:sld>
 </file>
 
-<file path=ppt/slides/slide2.xml><?xml version="1.0" encoding="utf-8"?>
+<file path=ppt/slides/slide3.xml><?xml version="1.0" encoding="utf-8"?>
 <p:sld xmlns:a="http://schemas.openxmlformats.org/drawingml/2006/main" xmlns:r="http://schemas.openxmlformats.org/officeDocument/2006/relationships" xmlns:p="http://schemas.openxmlformats.org/presentationml/2006/main">
   <p:cSld>
     <p:spTree>
@@ -7234,7 +9248,7 @@
 </p:sld>
 </file>
 
-<file path=ppt/slides/slide3.xml><?xml version="1.0" encoding="utf-8"?>
+<file path=ppt/slides/slide4.xml><?xml version="1.0" encoding="utf-8"?>
 <p:sld xmlns:a="http://schemas.openxmlformats.org/drawingml/2006/main" xmlns:r="http://schemas.openxmlformats.org/officeDocument/2006/relationships" xmlns:p="http://schemas.openxmlformats.org/presentationml/2006/main">
   <p:cSld>
     <p:spTree>
@@ -7644,7 +9658,7 @@
 </p:sld>
 </file>
 
-<file path=ppt/slides/slide4.xml><?xml version="1.0" encoding="utf-8"?>
+<file path=ppt/slides/slide5.xml><?xml version="1.0" encoding="utf-8"?>
 <p:sld xmlns:a="http://schemas.openxmlformats.org/drawingml/2006/main" xmlns:r="http://schemas.openxmlformats.org/officeDocument/2006/relationships" xmlns:p="http://schemas.openxmlformats.org/presentationml/2006/main">
   <p:cSld>
     <p:spTree>
@@ -8070,7 +10084,7 @@
 </p:sld>
 </file>
 
-<file path=ppt/slides/slide5.xml><?xml version="1.0" encoding="utf-8"?>
+<file path=ppt/slides/slide6.xml><?xml version="1.0" encoding="utf-8"?>
 <p:sld xmlns:a="http://schemas.openxmlformats.org/drawingml/2006/main" xmlns:r="http://schemas.openxmlformats.org/officeDocument/2006/relationships" xmlns:p="http://schemas.openxmlformats.org/presentationml/2006/main">
   <p:cSld>
     <p:spTree>
@@ -8508,7 +10522,7 @@
 </p:sld>
 </file>
 
-<file path=ppt/slides/slide6.xml><?xml version="1.0" encoding="utf-8"?>
+<file path=ppt/slides/slide7.xml><?xml version="1.0" encoding="utf-8"?>
 <p:sld xmlns:a="http://schemas.openxmlformats.org/drawingml/2006/main" xmlns:r="http://schemas.openxmlformats.org/officeDocument/2006/relationships" xmlns:p="http://schemas.openxmlformats.org/presentationml/2006/main">
   <p:cSld>
     <p:spTree>
